--- a/2조 프레젠테이션합본pptx.pptx
+++ b/2조 프레젠테이션합본pptx.pptx
@@ -6786,7 +6786,7 @@
         </p:blipFill>
         <p:spPr>
           <a:xfrm>
-            <a:off x="1393446" y="4886632"/>
+            <a:off x="1447564" y="5327994"/>
             <a:ext cx="1316198" cy="134995"/>
           </a:xfrm>
           <a:prstGeom prst="rect">
@@ -23750,7 +23750,7 @@
   </p:timing>
   <p:extLst mod="1">
     <p:ext uri="{6950BFC3-D8DA-4A85-94F7-54DA5524770B}">
-      <p188:commentRel xmlns="" xmlns:p188="http://schemas.microsoft.com/office/powerpoint/2018/8/main" r:id="rId4"/>
+      <p188:commentRel xmlns:p188="http://schemas.microsoft.com/office/powerpoint/2018/8/main" xmlns="" r:id="rId4"/>
     </p:ext>
   </p:extLst>
 </p:sld>

--- a/2조 프레젠테이션합본pptx.pptx
+++ b/2조 프레젠테이션합본pptx.pptx
@@ -12,8 +12,8 @@
     <p:sldId id="257" r:id="rId3"/>
     <p:sldId id="258" r:id="rId4"/>
     <p:sldId id="266" r:id="rId5"/>
-    <p:sldId id="261" r:id="rId6"/>
-    <p:sldId id="262" r:id="rId7"/>
+    <p:sldId id="262" r:id="rId6"/>
+    <p:sldId id="261" r:id="rId7"/>
     <p:sldId id="263" r:id="rId8"/>
     <p:sldId id="264" r:id="rId9"/>
     <p:sldId id="260" r:id="rId10"/>
@@ -2380,7 +2380,7 @@
           <a:p>
             <a:fld id="{9A6A5049-87C1-4CF9-A914-D085F24B0285}" type="slidenum">
               <a:rPr lang="ko-KR" altLang="en-US" smtClean="0"/>
-              <a:t>5</a:t>
+              <a:t>6</a:t>
             </a:fld>
             <a:endParaRPr lang="ko-KR" altLang="en-US"/>
           </a:p>
@@ -23607,199 +23607,6 @@
           <a:lstStyle/>
           <a:p>
             <a:r>
-              <a:rPr lang="ko-KR" altLang="en-US" dirty="0">
-                <a:ea typeface="맑은 고딕"/>
-              </a:rPr>
-              <a:t>2. 설계</a:t>
-            </a:r>
-            <a:endParaRPr lang="ko-KR" altLang="en-US" dirty="0"/>
-          </a:p>
-        </p:txBody>
-      </p:sp>
-      <p:pic>
-        <p:nvPicPr>
-          <p:cNvPr id="8" name="그림 8" descr="텍스트이(가) 표시된 사진&#10;&#10;자동 생성된 설명">
-            <a:extLst>
-              <a:ext uri="{FF2B5EF4-FFF2-40B4-BE49-F238E27FC236}">
-                <a16:creationId xmlns:a16="http://schemas.microsoft.com/office/drawing/2014/main" id="{D6394D34-EA68-4AF7-B693-91DB03518072}"/>
-              </a:ext>
-            </a:extLst>
-          </p:cNvPr>
-          <p:cNvPicPr>
-            <a:picLocks noGrp="1" noChangeAspect="1"/>
-          </p:cNvPicPr>
-          <p:nvPr>
-            <p:ph idx="1"/>
-          </p:nvPr>
-        </p:nvPicPr>
-        <p:blipFill>
-          <a:blip r:embed="rId3"/>
-          <a:stretch>
-            <a:fillRect/>
-          </a:stretch>
-        </p:blipFill>
-        <p:spPr>
-          <a:xfrm>
-            <a:off x="2235526" y="1275422"/>
-            <a:ext cx="7817421" cy="5484708"/>
-          </a:xfrm>
-        </p:spPr>
-      </p:pic>
-      <p:sp>
-        <p:nvSpPr>
-          <p:cNvPr id="9" name="TextBox 8">
-            <a:extLst>
-              <a:ext uri="{FF2B5EF4-FFF2-40B4-BE49-F238E27FC236}">
-                <a16:creationId xmlns:a16="http://schemas.microsoft.com/office/drawing/2014/main" id="{E9B26165-D48F-4B37-A675-F3044F21C6F7}"/>
-              </a:ext>
-            </a:extLst>
-          </p:cNvPr>
-          <p:cNvSpPr txBox="1"/>
-          <p:nvPr/>
-        </p:nvSpPr>
-        <p:spPr>
-          <a:xfrm>
-            <a:off x="841332" y="956153"/>
-            <a:ext cx="9681505" cy="1061829"/>
-          </a:xfrm>
-          <a:prstGeom prst="rect">
-            <a:avLst/>
-          </a:prstGeom>
-          <a:noFill/>
-        </p:spPr>
-        <p:txBody>
-          <a:bodyPr rot="0" spcFirstLastPara="0" vertOverflow="overflow" horzOverflow="overflow" vert="horz" wrap="square" lIns="91440" tIns="45720" rIns="91440" bIns="45720" numCol="1" spcCol="0" rtlCol="0" fromWordArt="0" anchor="t" anchorCtr="0" forceAA="0" compatLnSpc="1">
-            <a:prstTxWarp prst="textNoShape">
-              <a:avLst/>
-            </a:prstTxWarp>
-            <a:spAutoFit/>
-          </a:bodyPr>
-          <a:lstStyle/>
-          <a:p>
-            <a:pPr marL="285750" indent="-285750">
-              <a:buFont typeface="Arial"/>
-              <a:buChar char="•"/>
-            </a:pPr>
-            <a:r>
-              <a:rPr lang="ko-KR" altLang="en-US" dirty="0">
-                <a:ea typeface="맑은 고딕"/>
-              </a:rPr>
-              <a:t>팀페이지를 적극 활용해 소통과 </a:t>
-            </a:r>
-            <a:r>
-              <a:rPr lang="ko-KR" altLang="en-US" dirty="0" err="1">
-                <a:ea typeface="맑은 고딕"/>
-              </a:rPr>
-              <a:t>진행내용</a:t>
-            </a:r>
-            <a:r>
-              <a:rPr lang="ko-KR" altLang="en-US" dirty="0">
-                <a:ea typeface="맑은 고딕"/>
-              </a:rPr>
-              <a:t> </a:t>
-            </a:r>
-            <a:r>
-              <a:rPr lang="ko-KR" altLang="en-US" dirty="0" smtClean="0">
-                <a:ea typeface="맑은 고딕"/>
-              </a:rPr>
-              <a:t>공유</a:t>
-            </a:r>
-            <a:endParaRPr lang="en-US" altLang="ko-KR" dirty="0" smtClean="0">
-              <a:ea typeface="맑은 고딕"/>
-            </a:endParaRPr>
-          </a:p>
-          <a:p>
-            <a:pPr marL="285750" indent="-285750">
-              <a:buFont typeface="Arial"/>
-              <a:buChar char="•"/>
-            </a:pPr>
-            <a:endParaRPr lang="ko-KR" altLang="en-US" dirty="0" smtClean="0">
-              <a:ea typeface="맑은 고딕"/>
-            </a:endParaRPr>
-          </a:p>
-          <a:p>
-            <a:pPr marL="285750" indent="-285750">
-              <a:lnSpc>
-                <a:spcPct val="150000"/>
-              </a:lnSpc>
-              <a:buFont typeface="Arial"/>
-              <a:buChar char="•"/>
-            </a:pPr>
-            <a:endParaRPr lang="ko-KR" dirty="0">
-              <a:ea typeface="맑은 고딕"/>
-            </a:endParaRPr>
-          </a:p>
-        </p:txBody>
-      </p:sp>
-    </p:spTree>
-    <p:extLst>
-      <p:ext uri="{BB962C8B-B14F-4D97-AF65-F5344CB8AC3E}">
-        <p14:creationId xmlns:p14="http://schemas.microsoft.com/office/powerpoint/2010/main" val="2209575314"/>
-      </p:ext>
-    </p:extLst>
-  </p:cSld>
-  <p:clrMapOvr>
-    <a:masterClrMapping/>
-  </p:clrMapOvr>
-  <p:timing>
-    <p:tnLst>
-      <p:par>
-        <p:cTn id="1" dur="indefinite" restart="never" nodeType="tmRoot"/>
-      </p:par>
-    </p:tnLst>
-  </p:timing>
-  <p:extLst mod="1">
-    <p:ext uri="{6950BFC3-D8DA-4A85-94F7-54DA5524770B}">
-      <p188:commentRel xmlns:p188="http://schemas.microsoft.com/office/powerpoint/2018/8/main" xmlns="" r:id="rId4"/>
-    </p:ext>
-  </p:extLst>
-</p:sld>
-</file>
-
-<file path=ppt/slides/slide6.xml><?xml version="1.0" encoding="utf-8"?>
-<p:sld xmlns:a="http://schemas.openxmlformats.org/drawingml/2006/main" xmlns:r="http://schemas.openxmlformats.org/officeDocument/2006/relationships" xmlns:p="http://schemas.openxmlformats.org/presentationml/2006/main">
-  <p:cSld>
-    <p:spTree>
-      <p:nvGrpSpPr>
-        <p:cNvPr id="1" name=""/>
-        <p:cNvGrpSpPr/>
-        <p:nvPr/>
-      </p:nvGrpSpPr>
-      <p:grpSpPr>
-        <a:xfrm>
-          <a:off x="0" y="0"/>
-          <a:ext cx="0" cy="0"/>
-          <a:chOff x="0" y="0"/>
-          <a:chExt cx="0" cy="0"/>
-        </a:xfrm>
-      </p:grpSpPr>
-      <p:sp>
-        <p:nvSpPr>
-          <p:cNvPr id="2" name="제목 1">
-            <a:extLst>
-              <a:ext uri="{FF2B5EF4-FFF2-40B4-BE49-F238E27FC236}">
-                <a16:creationId xmlns:a16="http://schemas.microsoft.com/office/drawing/2014/main" id="{BC24E7B4-86B7-461D-B755-42FEE905C5AD}"/>
-              </a:ext>
-            </a:extLst>
-          </p:cNvPr>
-          <p:cNvSpPr>
-            <a:spLocks noGrp="1"/>
-          </p:cNvSpPr>
-          <p:nvPr>
-            <p:ph type="title"/>
-          </p:nvPr>
-        </p:nvSpPr>
-        <p:spPr>
-          <a:xfrm>
-            <a:off x="838200" y="-217"/>
-            <a:ext cx="10515600" cy="960221"/>
-          </a:xfrm>
-        </p:spPr>
-        <p:txBody>
-          <a:bodyPr/>
-          <a:lstStyle/>
-          <a:p>
-            <a:r>
               <a:rPr lang="ko-KR" altLang="en-US">
                 <a:ea typeface="맑은 고딕"/>
               </a:rPr>
@@ -23994,6 +23801,199 @@
       </p:par>
     </p:tnLst>
   </p:timing>
+</p:sld>
+</file>
+
+<file path=ppt/slides/slide6.xml><?xml version="1.0" encoding="utf-8"?>
+<p:sld xmlns:a="http://schemas.openxmlformats.org/drawingml/2006/main" xmlns:r="http://schemas.openxmlformats.org/officeDocument/2006/relationships" xmlns:p="http://schemas.openxmlformats.org/presentationml/2006/main">
+  <p:cSld>
+    <p:spTree>
+      <p:nvGrpSpPr>
+        <p:cNvPr id="1" name=""/>
+        <p:cNvGrpSpPr/>
+        <p:nvPr/>
+      </p:nvGrpSpPr>
+      <p:grpSpPr>
+        <a:xfrm>
+          <a:off x="0" y="0"/>
+          <a:ext cx="0" cy="0"/>
+          <a:chOff x="0" y="0"/>
+          <a:chExt cx="0" cy="0"/>
+        </a:xfrm>
+      </p:grpSpPr>
+      <p:sp>
+        <p:nvSpPr>
+          <p:cNvPr id="2" name="제목 1">
+            <a:extLst>
+              <a:ext uri="{FF2B5EF4-FFF2-40B4-BE49-F238E27FC236}">
+                <a16:creationId xmlns:a16="http://schemas.microsoft.com/office/drawing/2014/main" id="{BC24E7B4-86B7-461D-B755-42FEE905C5AD}"/>
+              </a:ext>
+            </a:extLst>
+          </p:cNvPr>
+          <p:cNvSpPr>
+            <a:spLocks noGrp="1"/>
+          </p:cNvSpPr>
+          <p:nvPr>
+            <p:ph type="title"/>
+          </p:nvPr>
+        </p:nvSpPr>
+        <p:spPr>
+          <a:xfrm>
+            <a:off x="838200" y="-217"/>
+            <a:ext cx="10515600" cy="960221"/>
+          </a:xfrm>
+        </p:spPr>
+        <p:txBody>
+          <a:bodyPr/>
+          <a:lstStyle/>
+          <a:p>
+            <a:r>
+              <a:rPr lang="ko-KR" altLang="en-US" dirty="0">
+                <a:ea typeface="맑은 고딕"/>
+              </a:rPr>
+              <a:t>2. 설계</a:t>
+            </a:r>
+            <a:endParaRPr lang="ko-KR" altLang="en-US" dirty="0"/>
+          </a:p>
+        </p:txBody>
+      </p:sp>
+      <p:pic>
+        <p:nvPicPr>
+          <p:cNvPr id="8" name="그림 8" descr="텍스트이(가) 표시된 사진&#10;&#10;자동 생성된 설명">
+            <a:extLst>
+              <a:ext uri="{FF2B5EF4-FFF2-40B4-BE49-F238E27FC236}">
+                <a16:creationId xmlns:a16="http://schemas.microsoft.com/office/drawing/2014/main" id="{D6394D34-EA68-4AF7-B693-91DB03518072}"/>
+              </a:ext>
+            </a:extLst>
+          </p:cNvPr>
+          <p:cNvPicPr>
+            <a:picLocks noGrp="1" noChangeAspect="1"/>
+          </p:cNvPicPr>
+          <p:nvPr>
+            <p:ph idx="1"/>
+          </p:nvPr>
+        </p:nvPicPr>
+        <p:blipFill>
+          <a:blip r:embed="rId3"/>
+          <a:stretch>
+            <a:fillRect/>
+          </a:stretch>
+        </p:blipFill>
+        <p:spPr>
+          <a:xfrm>
+            <a:off x="2235526" y="1275422"/>
+            <a:ext cx="7817421" cy="5484708"/>
+          </a:xfrm>
+        </p:spPr>
+      </p:pic>
+      <p:sp>
+        <p:nvSpPr>
+          <p:cNvPr id="9" name="TextBox 8">
+            <a:extLst>
+              <a:ext uri="{FF2B5EF4-FFF2-40B4-BE49-F238E27FC236}">
+                <a16:creationId xmlns:a16="http://schemas.microsoft.com/office/drawing/2014/main" id="{E9B26165-D48F-4B37-A675-F3044F21C6F7}"/>
+              </a:ext>
+            </a:extLst>
+          </p:cNvPr>
+          <p:cNvSpPr txBox="1"/>
+          <p:nvPr/>
+        </p:nvSpPr>
+        <p:spPr>
+          <a:xfrm>
+            <a:off x="841332" y="956153"/>
+            <a:ext cx="9681505" cy="1061829"/>
+          </a:xfrm>
+          <a:prstGeom prst="rect">
+            <a:avLst/>
+          </a:prstGeom>
+          <a:noFill/>
+        </p:spPr>
+        <p:txBody>
+          <a:bodyPr rot="0" spcFirstLastPara="0" vertOverflow="overflow" horzOverflow="overflow" vert="horz" wrap="square" lIns="91440" tIns="45720" rIns="91440" bIns="45720" numCol="1" spcCol="0" rtlCol="0" fromWordArt="0" anchor="t" anchorCtr="0" forceAA="0" compatLnSpc="1">
+            <a:prstTxWarp prst="textNoShape">
+              <a:avLst/>
+            </a:prstTxWarp>
+            <a:spAutoFit/>
+          </a:bodyPr>
+          <a:lstStyle/>
+          <a:p>
+            <a:pPr marL="285750" indent="-285750">
+              <a:buFont typeface="Arial"/>
+              <a:buChar char="•"/>
+            </a:pPr>
+            <a:r>
+              <a:rPr lang="ko-KR" altLang="en-US" dirty="0">
+                <a:ea typeface="맑은 고딕"/>
+              </a:rPr>
+              <a:t>팀페이지를 적극 활용해 소통과 </a:t>
+            </a:r>
+            <a:r>
+              <a:rPr lang="ko-KR" altLang="en-US" dirty="0" err="1">
+                <a:ea typeface="맑은 고딕"/>
+              </a:rPr>
+              <a:t>진행내용</a:t>
+            </a:r>
+            <a:r>
+              <a:rPr lang="ko-KR" altLang="en-US" dirty="0">
+                <a:ea typeface="맑은 고딕"/>
+              </a:rPr>
+              <a:t> </a:t>
+            </a:r>
+            <a:r>
+              <a:rPr lang="ko-KR" altLang="en-US" dirty="0" smtClean="0">
+                <a:ea typeface="맑은 고딕"/>
+              </a:rPr>
+              <a:t>공유</a:t>
+            </a:r>
+            <a:endParaRPr lang="en-US" altLang="ko-KR" dirty="0" smtClean="0">
+              <a:ea typeface="맑은 고딕"/>
+            </a:endParaRPr>
+          </a:p>
+          <a:p>
+            <a:pPr marL="285750" indent="-285750">
+              <a:buFont typeface="Arial"/>
+              <a:buChar char="•"/>
+            </a:pPr>
+            <a:endParaRPr lang="ko-KR" altLang="en-US" dirty="0" smtClean="0">
+              <a:ea typeface="맑은 고딕"/>
+            </a:endParaRPr>
+          </a:p>
+          <a:p>
+            <a:pPr marL="285750" indent="-285750">
+              <a:lnSpc>
+                <a:spcPct val="150000"/>
+              </a:lnSpc>
+              <a:buFont typeface="Arial"/>
+              <a:buChar char="•"/>
+            </a:pPr>
+            <a:endParaRPr lang="ko-KR" dirty="0">
+              <a:ea typeface="맑은 고딕"/>
+            </a:endParaRPr>
+          </a:p>
+        </p:txBody>
+      </p:sp>
+    </p:spTree>
+    <p:extLst>
+      <p:ext uri="{BB962C8B-B14F-4D97-AF65-F5344CB8AC3E}">
+        <p14:creationId xmlns:p14="http://schemas.microsoft.com/office/powerpoint/2010/main" val="2209575314"/>
+      </p:ext>
+    </p:extLst>
+  </p:cSld>
+  <p:clrMapOvr>
+    <a:masterClrMapping/>
+  </p:clrMapOvr>
+  <p:timing>
+    <p:tnLst>
+      <p:par>
+        <p:cTn id="1" dur="indefinite" restart="never" nodeType="tmRoot"/>
+      </p:par>
+    </p:tnLst>
+  </p:timing>
+  <p:extLst mod="1">
+    <p:ext uri="{6950BFC3-D8DA-4A85-94F7-54DA5524770B}">
+      <p188:commentRel xmlns="" xmlns:p188="http://schemas.microsoft.com/office/powerpoint/2018/8/main" r:id="rId4"/>
+    </p:ext>
+  </p:extLst>
 </p:sld>
 </file>
 
